--- a/Map of Tasks.pptx
+++ b/Map of Tasks.pptx
@@ -1309,7 +1309,7 @@
   <p:cSld>
     <p:spTree>
       <p:nvGrpSpPr>
-        <p:cNvPr id="173" name="Shape 173"/>
+        <p:cNvPr id="171" name="Shape 171"/>
         <p:cNvGrpSpPr/>
         <p:nvPr/>
       </p:nvGrpSpPr>
@@ -1323,7 +1323,7 @@
       </p:grpSpPr>
       <p:sp>
         <p:nvSpPr>
-          <p:cNvPr id="174" name="Google Shape;174;g2a8e7e95cf8_0_178:notes"/>
+          <p:cNvPr id="172" name="Google Shape;172;g2a8e7e95cf8_0_178:notes"/>
           <p:cNvSpPr/>
           <p:nvPr>
             <p:ph idx="2" type="sldImg"/>
@@ -1358,7 +1358,7 @@
       </p:sp>
       <p:sp>
         <p:nvSpPr>
-          <p:cNvPr id="175" name="Google Shape;175;g2a8e7e95cf8_0_178:notes"/>
+          <p:cNvPr id="173" name="Google Shape;173;g2a8e7e95cf8_0_178:notes"/>
           <p:cNvSpPr txBox="1"/>
           <p:nvPr>
             <p:ph idx="1" type="body"/>
@@ -1408,7 +1408,7 @@
   <p:cSld>
     <p:spTree>
       <p:nvGrpSpPr>
-        <p:cNvPr id="180" name="Shape 180"/>
+        <p:cNvPr id="178" name="Shape 178"/>
         <p:cNvGrpSpPr/>
         <p:nvPr/>
       </p:nvGrpSpPr>
@@ -1422,7 +1422,7 @@
       </p:grpSpPr>
       <p:sp>
         <p:nvSpPr>
-          <p:cNvPr id="181" name="Google Shape;181;g2a7d571ce1e_0_676:notes"/>
+          <p:cNvPr id="179" name="Google Shape;179;g2a7d571ce1e_0_676:notes"/>
           <p:cNvSpPr/>
           <p:nvPr>
             <p:ph idx="2" type="sldImg"/>
@@ -1457,7 +1457,7 @@
       </p:sp>
       <p:sp>
         <p:nvSpPr>
-          <p:cNvPr id="182" name="Google Shape;182;g2a7d571ce1e_0_676:notes"/>
+          <p:cNvPr id="180" name="Google Shape;180;g2a7d571ce1e_0_676:notes"/>
           <p:cNvSpPr txBox="1"/>
           <p:nvPr>
             <p:ph idx="1" type="body"/>
@@ -1507,7 +1507,7 @@
   <p:cSld>
     <p:spTree>
       <p:nvGrpSpPr>
-        <p:cNvPr id="187" name="Shape 187"/>
+        <p:cNvPr id="185" name="Shape 185"/>
         <p:cNvGrpSpPr/>
         <p:nvPr/>
       </p:nvGrpSpPr>
@@ -1521,7 +1521,7 @@
       </p:grpSpPr>
       <p:sp>
         <p:nvSpPr>
-          <p:cNvPr id="188" name="Google Shape;188;g2a7d571ce1e_0_686:notes"/>
+          <p:cNvPr id="186" name="Google Shape;186;g2a7d571ce1e_0_686:notes"/>
           <p:cNvSpPr/>
           <p:nvPr>
             <p:ph idx="2" type="sldImg"/>
@@ -1556,7 +1556,7 @@
       </p:sp>
       <p:sp>
         <p:nvSpPr>
-          <p:cNvPr id="189" name="Google Shape;189;g2a7d571ce1e_0_686:notes"/>
+          <p:cNvPr id="187" name="Google Shape;187;g2a7d571ce1e_0_686:notes"/>
           <p:cNvSpPr txBox="1"/>
           <p:nvPr>
             <p:ph idx="1" type="body"/>
@@ -10443,7 +10443,7 @@
             </a:pPr>
             <a:r>
               <a:rPr lang="it"/>
-              <a:t>Traversal: Depth-First Search (DFS) is used to traverse this tree and calculate the cost of each subtree.</a:t>
+              <a:t>Traversal: recursion is used to traverse this tree and calculate the cost of each subtree.</a:t>
             </a:r>
             <a:endParaRPr/>
           </a:p>
@@ -10463,7 +10463,7 @@
             </a:pPr>
             <a:r>
               <a:rPr lang="it"/>
-              <a:t>Cheating Strategy: at each node, we decide whether to 'cheat' on the task based on its impact on the overall completion time.</a:t>
+              <a:t>Cheating strategy: at each node, we decide whether to 'cheat' on the task based on its impact on the overall completion time.</a:t>
             </a:r>
             <a:endParaRPr/>
           </a:p>
@@ -10793,22 +10793,30 @@
             </a:pPr>
             <a:r>
               <a:rPr lang="it"/>
-              <a:t>Algorithm steps</a:t>
+              <a:t>Cheating strategy: implementation</a:t>
             </a:r>
             <a:endParaRPr/>
           </a:p>
         </p:txBody>
       </p:sp>
-      <p:sp>
-        <p:nvSpPr>
+      <p:pic>
+        <p:nvPicPr>
           <p:cNvPr id="170" name="Google Shape;170;p18"/>
-          <p:cNvSpPr txBox="1"/>
+          <p:cNvPicPr preferRelativeResize="0"/>
           <p:nvPr/>
-        </p:nvSpPr>
+        </p:nvPicPr>
+        <p:blipFill>
+          <a:blip r:embed="rId3">
+            <a:alphaModFix/>
+          </a:blip>
+          <a:stretch>
+            <a:fillRect/>
+          </a:stretch>
+        </p:blipFill>
         <p:spPr>
           <a:xfrm>
-            <a:off x="1297500" y="1268525"/>
-            <a:ext cx="4530000" cy="415500"/>
+            <a:off x="1867500" y="987975"/>
+            <a:ext cx="5804550" cy="3839324"/>
           </a:xfrm>
           <a:prstGeom prst="rect">
             <a:avLst/>
@@ -10818,210 +10826,7 @@
             <a:noFill/>
           </a:ln>
         </p:spPr>
-        <p:txBody>
-          <a:bodyPr anchorCtr="0" anchor="t" bIns="91425" lIns="91425" spcFirstLastPara="1" rIns="91425" wrap="square" tIns="91425">
-            <a:spAutoFit/>
-          </a:bodyPr>
-          <a:lstStyle/>
-          <a:p>
-            <a:pPr indent="0" lvl="0" marL="0" rtl="0" algn="l">
-              <a:spcBef>
-                <a:spcPts val="0"/>
-              </a:spcBef>
-              <a:spcAft>
-                <a:spcPts val="0"/>
-              </a:spcAft>
-              <a:buNone/>
-            </a:pPr>
-            <a:r>
-              <a:rPr lang="it" sz="1500">
-                <a:solidFill>
-                  <a:schemeClr val="lt1"/>
-                </a:solidFill>
-                <a:latin typeface="Lato"/>
-                <a:ea typeface="Lato"/>
-                <a:cs typeface="Lato"/>
-                <a:sym typeface="Lato"/>
-              </a:rPr>
-              <a:t>Breaking down the algorithm steps</a:t>
-            </a:r>
-            <a:endParaRPr sz="1500">
-              <a:solidFill>
-                <a:schemeClr val="lt1"/>
-              </a:solidFill>
-              <a:latin typeface="Lato"/>
-              <a:ea typeface="Lato"/>
-              <a:cs typeface="Lato"/>
-              <a:sym typeface="Lato"/>
-            </a:endParaRPr>
-          </a:p>
-        </p:txBody>
-      </p:sp>
-      <p:sp>
-        <p:nvSpPr>
-          <p:cNvPr id="171" name="Google Shape;171;p18"/>
-          <p:cNvSpPr txBox="1"/>
-          <p:nvPr>
-            <p:ph idx="1" type="body"/>
-          </p:nvPr>
-        </p:nvSpPr>
-        <p:spPr>
-          <a:xfrm>
-            <a:off x="1297500" y="1911100"/>
-            <a:ext cx="7038900" cy="2186400"/>
-          </a:xfrm>
-          <a:prstGeom prst="rect">
-            <a:avLst/>
-          </a:prstGeom>
-        </p:spPr>
-        <p:txBody>
-          <a:bodyPr anchorCtr="0" anchor="t" bIns="91425" lIns="91425" spcFirstLastPara="1" rIns="91425" wrap="square" tIns="91425">
-            <a:normAutofit/>
-          </a:bodyPr>
-          <a:lstStyle/>
-          <a:p>
-            <a:pPr indent="-311150" lvl="0" marL="457200" rtl="0" algn="l">
-              <a:lnSpc>
-                <a:spcPct val="150000"/>
-              </a:lnSpc>
-              <a:spcBef>
-                <a:spcPts val="0"/>
-              </a:spcBef>
-              <a:spcAft>
-                <a:spcPts val="0"/>
-              </a:spcAft>
-              <a:buSzPts val="1300"/>
-              <a:buAutoNum type="arabicPeriod"/>
-            </a:pPr>
-            <a:r>
-              <a:rPr lang="it"/>
-              <a:t>Initialize the task tree and populate each node with the respective task time.</a:t>
-            </a:r>
-            <a:endParaRPr/>
-          </a:p>
-          <a:p>
-            <a:pPr indent="-311150" lvl="0" marL="457200" rtl="0" algn="l">
-              <a:lnSpc>
-                <a:spcPct val="150000"/>
-              </a:lnSpc>
-              <a:spcBef>
-                <a:spcPts val="0"/>
-              </a:spcBef>
-              <a:spcAft>
-                <a:spcPts val="0"/>
-              </a:spcAft>
-              <a:buSzPts val="1300"/>
-              <a:buAutoNum type="arabicPeriod"/>
-            </a:pPr>
-            <a:r>
-              <a:rPr lang="it"/>
-              <a:t>Starting from the leaves, calculate the total time required for each subtree and propagate this information up the tree.</a:t>
-            </a:r>
-            <a:endParaRPr/>
-          </a:p>
-          <a:p>
-            <a:pPr indent="-311150" lvl="0" marL="457200" rtl="0" algn="l">
-              <a:lnSpc>
-                <a:spcPct val="150000"/>
-              </a:lnSpc>
-              <a:spcBef>
-                <a:spcPts val="0"/>
-              </a:spcBef>
-              <a:spcAft>
-                <a:spcPts val="0"/>
-              </a:spcAft>
-              <a:buSzPts val="1300"/>
-              <a:buAutoNum type="arabicPeriod"/>
-            </a:pPr>
-            <a:r>
-              <a:rPr lang="it"/>
-              <a:t>Use a priority queue to select tasks to 'cheat' based on the potential time savings, prioritizing the highest values first.</a:t>
-            </a:r>
-            <a:endParaRPr/>
-          </a:p>
-          <a:p>
-            <a:pPr indent="-311150" lvl="0" marL="457200" rtl="0" algn="l">
-              <a:lnSpc>
-                <a:spcPct val="150000"/>
-              </a:lnSpc>
-              <a:spcBef>
-                <a:spcPts val="0"/>
-              </a:spcBef>
-              <a:spcAft>
-                <a:spcPts val="0"/>
-              </a:spcAft>
-              <a:buSzPts val="1300"/>
-              <a:buAutoNum type="arabicPeriod"/>
-            </a:pPr>
-            <a:r>
-              <a:rPr lang="it"/>
-              <a:t>Update the total time at each node after applying a 'cheat', ensuring that the integrity of the task dependencies is maintained.</a:t>
-            </a:r>
-            <a:endParaRPr/>
-          </a:p>
-        </p:txBody>
-      </p:sp>
-      <p:sp>
-        <p:nvSpPr>
-          <p:cNvPr id="172" name="Google Shape;172;p18"/>
-          <p:cNvSpPr txBox="1"/>
-          <p:nvPr/>
-        </p:nvSpPr>
-        <p:spPr>
-          <a:xfrm>
-            <a:off x="1297500" y="4097500"/>
-            <a:ext cx="6991800" cy="684900"/>
-          </a:xfrm>
-          <a:prstGeom prst="rect">
-            <a:avLst/>
-          </a:prstGeom>
-          <a:noFill/>
-          <a:ln>
-            <a:noFill/>
-          </a:ln>
-        </p:spPr>
-        <p:txBody>
-          <a:bodyPr anchorCtr="0" anchor="t" bIns="91425" lIns="91425" spcFirstLastPara="1" rIns="91425" wrap="square" tIns="91425">
-            <a:spAutoFit/>
-          </a:bodyPr>
-          <a:lstStyle/>
-          <a:p>
-            <a:pPr indent="0" lvl="0" marL="0" rtl="0" algn="l">
-              <a:lnSpc>
-                <a:spcPct val="150000"/>
-              </a:lnSpc>
-              <a:spcBef>
-                <a:spcPts val="0"/>
-              </a:spcBef>
-              <a:spcAft>
-                <a:spcPts val="1200"/>
-              </a:spcAft>
-              <a:buNone/>
-            </a:pPr>
-            <a:r>
-              <a:rPr lang="it" sz="1300">
-                <a:solidFill>
-                  <a:schemeClr val="lt1"/>
-                </a:solidFill>
-                <a:latin typeface="Lato"/>
-                <a:ea typeface="Lato"/>
-                <a:cs typeface="Lato"/>
-                <a:sym typeface="Lato"/>
-              </a:rPr>
-              <a:t>Time Complexity: O(N * C), where N is the number of nodes (tasks), and C is the number of cheats. This is due to processing each node with each possible number of remaining cheats.</a:t>
-            </a:r>
-            <a:endParaRPr sz="1300">
-              <a:solidFill>
-                <a:schemeClr val="lt1"/>
-              </a:solidFill>
-              <a:latin typeface="Lato"/>
-              <a:ea typeface="Lato"/>
-              <a:cs typeface="Lato"/>
-              <a:sym typeface="Lato"/>
-            </a:endParaRPr>
-          </a:p>
-        </p:txBody>
-      </p:sp>
+      </p:pic>
     </p:spTree>
   </p:cSld>
   <p:clrMapOvr>
@@ -11035,7 +10840,7 @@
   <p:cSld>
     <p:spTree>
       <p:nvGrpSpPr>
-        <p:cNvPr id="176" name="Shape 176"/>
+        <p:cNvPr id="174" name="Shape 174"/>
         <p:cNvGrpSpPr/>
         <p:nvPr/>
       </p:nvGrpSpPr>
@@ -11049,7 +10854,7 @@
       </p:grpSpPr>
       <p:sp>
         <p:nvSpPr>
-          <p:cNvPr id="177" name="Google Shape;177;p19"/>
+          <p:cNvPr id="175" name="Google Shape;175;p19"/>
           <p:cNvSpPr txBox="1"/>
           <p:nvPr>
             <p:ph type="title"/>
@@ -11093,7 +10898,7 @@
       </p:sp>
       <p:sp>
         <p:nvSpPr>
-          <p:cNvPr id="178" name="Google Shape;178;p19"/>
+          <p:cNvPr id="176" name="Google Shape;176;p19"/>
           <p:cNvSpPr txBox="1"/>
           <p:nvPr/>
         </p:nvSpPr>
@@ -11151,7 +10956,7 @@
       </p:sp>
       <p:sp>
         <p:nvSpPr>
-          <p:cNvPr id="179" name="Google Shape;179;p19"/>
+          <p:cNvPr id="177" name="Google Shape;177;p19"/>
           <p:cNvSpPr txBox="1"/>
           <p:nvPr>
             <p:ph idx="1" type="body"/>
@@ -11266,7 +11071,7 @@
   <p:cSld>
     <p:spTree>
       <p:nvGrpSpPr>
-        <p:cNvPr id="183" name="Shape 183"/>
+        <p:cNvPr id="181" name="Shape 181"/>
         <p:cNvGrpSpPr/>
         <p:nvPr/>
       </p:nvGrpSpPr>
@@ -11280,7 +11085,7 @@
       </p:grpSpPr>
       <p:sp>
         <p:nvSpPr>
-          <p:cNvPr id="184" name="Google Shape;184;p20"/>
+          <p:cNvPr id="182" name="Google Shape;182;p20"/>
           <p:cNvSpPr txBox="1"/>
           <p:nvPr>
             <p:ph idx="1" type="body"/>
@@ -11344,7 +11149,7 @@
       </p:sp>
       <p:sp>
         <p:nvSpPr>
-          <p:cNvPr id="185" name="Google Shape;185;p20"/>
+          <p:cNvPr id="183" name="Google Shape;183;p20"/>
           <p:cNvSpPr txBox="1"/>
           <p:nvPr>
             <p:ph type="title"/>
@@ -11384,7 +11189,7 @@
       </p:sp>
       <p:sp>
         <p:nvSpPr>
-          <p:cNvPr id="186" name="Google Shape;186;p20"/>
+          <p:cNvPr id="184" name="Google Shape;184;p20"/>
           <p:cNvSpPr txBox="1"/>
           <p:nvPr/>
         </p:nvSpPr>
@@ -11453,7 +11258,7 @@
   <p:cSld>
     <p:spTree>
       <p:nvGrpSpPr>
-        <p:cNvPr id="190" name="Shape 190"/>
+        <p:cNvPr id="188" name="Shape 188"/>
         <p:cNvGrpSpPr/>
         <p:nvPr/>
       </p:nvGrpSpPr>
@@ -11467,7 +11272,7 @@
       </p:grpSpPr>
       <p:sp>
         <p:nvSpPr>
-          <p:cNvPr id="191" name="Google Shape;191;p21"/>
+          <p:cNvPr id="189" name="Google Shape;189;p21"/>
           <p:cNvSpPr txBox="1"/>
           <p:nvPr>
             <p:ph idx="1" type="body"/>
@@ -11551,7 +11356,7 @@
       </p:sp>
       <p:sp>
         <p:nvSpPr>
-          <p:cNvPr id="192" name="Google Shape;192;p21"/>
+          <p:cNvPr id="190" name="Google Shape;190;p21"/>
           <p:cNvSpPr txBox="1"/>
           <p:nvPr>
             <p:ph type="title"/>
@@ -11591,7 +11396,7 @@
       </p:sp>
       <p:sp>
         <p:nvSpPr>
-          <p:cNvPr id="193" name="Google Shape;193;p21"/>
+          <p:cNvPr id="191" name="Google Shape;191;p21"/>
           <p:cNvSpPr txBox="1"/>
           <p:nvPr/>
         </p:nvSpPr>
